--- a/go-and-tell-4-18-18.pptx
+++ b/go-and-tell-4-18-18.pptx
@@ -5,7 +5,7 @@
     <p:sldMasterId id="2147483648" r:id="rId1"/>
   </p:sldMasterIdLst>
   <p:notesMasterIdLst>
-    <p:notesMasterId r:id="rId20"/>
+    <p:notesMasterId r:id="rId21"/>
   </p:notesMasterIdLst>
   <p:sldIdLst>
     <p:sldId id="256" r:id="rId2"/>
@@ -19,13 +19,14 @@
     <p:sldId id="264" r:id="rId10"/>
     <p:sldId id="265" r:id="rId11"/>
     <p:sldId id="267" r:id="rId12"/>
-    <p:sldId id="258" r:id="rId13"/>
-    <p:sldId id="275" r:id="rId14"/>
-    <p:sldId id="259" r:id="rId15"/>
-    <p:sldId id="270" r:id="rId16"/>
-    <p:sldId id="274" r:id="rId17"/>
-    <p:sldId id="272" r:id="rId18"/>
-    <p:sldId id="273" r:id="rId19"/>
+    <p:sldId id="276" r:id="rId13"/>
+    <p:sldId id="258" r:id="rId14"/>
+    <p:sldId id="275" r:id="rId15"/>
+    <p:sldId id="259" r:id="rId16"/>
+    <p:sldId id="270" r:id="rId17"/>
+    <p:sldId id="274" r:id="rId18"/>
+    <p:sldId id="272" r:id="rId19"/>
+    <p:sldId id="273" r:id="rId20"/>
   </p:sldIdLst>
   <p:sldSz cx="12192000" cy="6858000"/>
   <p:notesSz cx="6858000" cy="9144000"/>
@@ -642,11 +643,33 @@
           <a:p>
             <a:r>
               <a:rPr lang="en-US" dirty="0"/>
-              <a:t>More about “for” loops: https://</a:t>
+              <a:t>[1] https://</a:t>
             </a:r>
             <a:r>
               <a:rPr lang="en-US" dirty="0" err="1"/>
-              <a:t>tour.golang.org</a:t>
+              <a:t>benchmarksgame.alioth.debian.org</a:t>
+            </a:r>
+            <a:r>
+              <a:rPr lang="en-US" dirty="0"/>
+              <a:t>/u64q/</a:t>
+            </a:r>
+            <a:r>
+              <a:rPr lang="en-US" dirty="0" err="1"/>
+              <a:t>compare.php?lang</a:t>
+            </a:r>
+            <a:r>
+              <a:rPr lang="en-US" dirty="0"/>
+              <a:t>=go&amp;lang2=python3</a:t>
+            </a:r>
+          </a:p>
+          <a:p>
+            <a:r>
+              <a:rPr lang="en-US" dirty="0"/>
+              <a:t>[2] https://</a:t>
+            </a:r>
+            <a:r>
+              <a:rPr lang="en-US" dirty="0" err="1"/>
+              <a:t>benchmarksgame-team.pages.debian.net</a:t>
             </a:r>
             <a:r>
               <a:rPr lang="en-US" dirty="0"/>
@@ -654,84 +677,17 @@
             </a:r>
             <a:r>
               <a:rPr lang="en-US" dirty="0" err="1"/>
-              <a:t>flowcontrol</a:t>
-            </a:r>
-            <a:r>
-              <a:rPr lang="en-US" dirty="0"/>
-              <a:t>/1</a:t>
-            </a:r>
-            <a:br>
-              <a:rPr lang="en-US" dirty="0"/>
-            </a:br>
+              <a:t>benchmarksgame</a:t>
+            </a:r>
+            <a:r>
+              <a:rPr lang="en-US" dirty="0"/>
+              <a:t>/compare/go-</a:t>
+            </a:r>
+            <a:r>
+              <a:rPr lang="en-US" dirty="0" err="1"/>
+              <a:t>node.html</a:t>
+            </a:r>
             <a:endParaRPr lang="en-US" dirty="0"/>
-          </a:p>
-          <a:p>
-            <a:pPr marL="0" marR="0" lvl="0" indent="0" algn="l" defTabSz="914400" rtl="0" eaLnBrk="1" fontAlgn="auto" latinLnBrk="0" hangingPunct="1">
-              <a:lnSpc>
-                <a:spcPct val="100000"/>
-              </a:lnSpc>
-              <a:spcBef>
-                <a:spcPts val="0"/>
-              </a:spcBef>
-              <a:spcAft>
-                <a:spcPts val="0"/>
-              </a:spcAft>
-              <a:buClrTx/>
-              <a:buSzTx/>
-              <a:buFontTx/>
-              <a:buNone/>
-              <a:tabLst/>
-              <a:defRPr/>
-            </a:pPr>
-            <a:r>
-              <a:rPr lang="en-US" dirty="0"/>
-              <a:t>[2] “Summary of Go Generics Discussions”: https://</a:t>
-            </a:r>
-            <a:r>
-              <a:rPr lang="en-US" dirty="0" err="1"/>
-              <a:t>docs.google.com</a:t>
-            </a:r>
-            <a:r>
-              <a:rPr lang="en-US" dirty="0"/>
-              <a:t>/document/d/1vrAy9gMpMoS3uaVphB32uVXX4pi-HnNjkMEgyAHX4N4/</a:t>
-            </a:r>
-            <a:r>
-              <a:rPr lang="en-US" dirty="0" err="1"/>
-              <a:t>edit#heading</a:t>
-            </a:r>
-            <a:r>
-              <a:rPr lang="en-US" dirty="0"/>
-              <a:t>=h.vuko0u3txoew</a:t>
-            </a:r>
-          </a:p>
-          <a:p>
-            <a:r>
-              <a:rPr lang="en-US" dirty="0"/>
-              <a:t>[3] “Who needs generics? Use … instead!”: https://</a:t>
-            </a:r>
-            <a:r>
-              <a:rPr lang="en-US" dirty="0" err="1"/>
-              <a:t>appliedgo.net</a:t>
-            </a:r>
-            <a:r>
-              <a:rPr lang="en-US" dirty="0"/>
-              <a:t>/generics/</a:t>
-            </a:r>
-            <a:br>
-              <a:rPr lang="en-US" dirty="0"/>
-            </a:br>
-            <a:r>
-              <a:rPr lang="en-US" dirty="0"/>
-              <a:t>[4] “Should Go 2.0 Support Generics?” https://</a:t>
-            </a:r>
-            <a:r>
-              <a:rPr lang="en-US" dirty="0" err="1"/>
-              <a:t>dave.cheney.net</a:t>
-            </a:r>
-            <a:r>
-              <a:rPr lang="en-US" dirty="0"/>
-              <a:t>/2017/07/22/should-go-2-0-support-generics</a:t>
-            </a:r>
           </a:p>
         </p:txBody>
       </p:sp>
@@ -761,7 +717,7 @@
     </p:spTree>
     <p:extLst>
       <p:ext uri="{BB962C8B-B14F-4D97-AF65-F5344CB8AC3E}">
-        <p14:creationId xmlns:p14="http://schemas.microsoft.com/office/powerpoint/2010/main" val="893700853"/>
+        <p14:creationId xmlns:p14="http://schemas.microsoft.com/office/powerpoint/2010/main" val="4017533013"/>
       </p:ext>
     </p:extLst>
   </p:cSld>
@@ -817,6 +773,181 @@
           <a:p>
             <a:r>
               <a:rPr lang="en-US" dirty="0"/>
+              <a:t>More about “for” loops: https://</a:t>
+            </a:r>
+            <a:r>
+              <a:rPr lang="en-US" dirty="0" err="1"/>
+              <a:t>tour.golang.org</a:t>
+            </a:r>
+            <a:r>
+              <a:rPr lang="en-US" dirty="0"/>
+              <a:t>/</a:t>
+            </a:r>
+            <a:r>
+              <a:rPr lang="en-US" dirty="0" err="1"/>
+              <a:t>flowcontrol</a:t>
+            </a:r>
+            <a:r>
+              <a:rPr lang="en-US" dirty="0"/>
+              <a:t>/1</a:t>
+            </a:r>
+            <a:br>
+              <a:rPr lang="en-US" dirty="0"/>
+            </a:br>
+            <a:endParaRPr lang="en-US" dirty="0"/>
+          </a:p>
+          <a:p>
+            <a:pPr marL="0" marR="0" lvl="0" indent="0" algn="l" defTabSz="914400" rtl="0" eaLnBrk="1" fontAlgn="auto" latinLnBrk="0" hangingPunct="1">
+              <a:lnSpc>
+                <a:spcPct val="100000"/>
+              </a:lnSpc>
+              <a:spcBef>
+                <a:spcPts val="0"/>
+              </a:spcBef>
+              <a:spcAft>
+                <a:spcPts val="0"/>
+              </a:spcAft>
+              <a:buClrTx/>
+              <a:buSzTx/>
+              <a:buFontTx/>
+              <a:buNone/>
+              <a:tabLst/>
+              <a:defRPr/>
+            </a:pPr>
+            <a:r>
+              <a:rPr lang="en-US" dirty="0"/>
+              <a:t>[2] “Summary of Go Generics Discussions”: https://</a:t>
+            </a:r>
+            <a:r>
+              <a:rPr lang="en-US" dirty="0" err="1"/>
+              <a:t>docs.google.com</a:t>
+            </a:r>
+            <a:r>
+              <a:rPr lang="en-US" dirty="0"/>
+              <a:t>/document/d/1vrAy9gMpMoS3uaVphB32uVXX4pi-HnNjkMEgyAHX4N4/</a:t>
+            </a:r>
+            <a:r>
+              <a:rPr lang="en-US" dirty="0" err="1"/>
+              <a:t>edit#heading</a:t>
+            </a:r>
+            <a:r>
+              <a:rPr lang="en-US" dirty="0"/>
+              <a:t>=h.vuko0u3txoew</a:t>
+            </a:r>
+          </a:p>
+          <a:p>
+            <a:r>
+              <a:rPr lang="en-US" dirty="0"/>
+              <a:t>[3] “Who needs generics? Use … instead!”: https://</a:t>
+            </a:r>
+            <a:r>
+              <a:rPr lang="en-US" dirty="0" err="1"/>
+              <a:t>appliedgo.net</a:t>
+            </a:r>
+            <a:r>
+              <a:rPr lang="en-US" dirty="0"/>
+              <a:t>/generics/</a:t>
+            </a:r>
+            <a:br>
+              <a:rPr lang="en-US" dirty="0"/>
+            </a:br>
+            <a:r>
+              <a:rPr lang="en-US" dirty="0"/>
+              <a:t>[4] “Should Go 2.0 Support Generics?” https://</a:t>
+            </a:r>
+            <a:r>
+              <a:rPr lang="en-US" dirty="0" err="1"/>
+              <a:t>dave.cheney.net</a:t>
+            </a:r>
+            <a:r>
+              <a:rPr lang="en-US" dirty="0"/>
+              <a:t>/2017/07/22/should-go-2-0-support-generics</a:t>
+            </a:r>
+          </a:p>
+        </p:txBody>
+      </p:sp>
+      <p:sp>
+        <p:nvSpPr>
+          <p:cNvPr id="4" name="Slide Number Placeholder 3"/>
+          <p:cNvSpPr>
+            <a:spLocks noGrp="1"/>
+          </p:cNvSpPr>
+          <p:nvPr>
+            <p:ph type="sldNum" sz="quarter" idx="10"/>
+          </p:nvPr>
+        </p:nvSpPr>
+        <p:spPr/>
+        <p:txBody>
+          <a:bodyPr/>
+          <a:lstStyle/>
+          <a:p>
+            <a:fld id="{D588435C-1886-E440-B249-F718F0F57539}" type="slidenum">
+              <a:rPr lang="en-US" smtClean="0"/>
+              <a:t>13</a:t>
+            </a:fld>
+            <a:endParaRPr lang="en-US"/>
+          </a:p>
+        </p:txBody>
+      </p:sp>
+    </p:spTree>
+    <p:extLst>
+      <p:ext uri="{BB962C8B-B14F-4D97-AF65-F5344CB8AC3E}">
+        <p14:creationId xmlns:p14="http://schemas.microsoft.com/office/powerpoint/2010/main" val="893700853"/>
+      </p:ext>
+    </p:extLst>
+  </p:cSld>
+  <p:clrMapOvr>
+    <a:masterClrMapping/>
+  </p:clrMapOvr>
+</p:notes>
+</file>
+
+<file path=ppt/notesSlides/notesSlide12.xml><?xml version="1.0" encoding="utf-8"?>
+<p:notes xmlns:a="http://schemas.openxmlformats.org/drawingml/2006/main" xmlns:r="http://schemas.openxmlformats.org/officeDocument/2006/relationships" xmlns:p="http://schemas.openxmlformats.org/presentationml/2006/main">
+  <p:cSld>
+    <p:spTree>
+      <p:nvGrpSpPr>
+        <p:cNvPr id="1" name=""/>
+        <p:cNvGrpSpPr/>
+        <p:nvPr/>
+      </p:nvGrpSpPr>
+      <p:grpSpPr>
+        <a:xfrm>
+          <a:off x="0" y="0"/>
+          <a:ext cx="0" cy="0"/>
+          <a:chOff x="0" y="0"/>
+          <a:chExt cx="0" cy="0"/>
+        </a:xfrm>
+      </p:grpSpPr>
+      <p:sp>
+        <p:nvSpPr>
+          <p:cNvPr id="2" name="Slide Image Placeholder 1"/>
+          <p:cNvSpPr>
+            <a:spLocks noGrp="1" noRot="1" noChangeAspect="1"/>
+          </p:cNvSpPr>
+          <p:nvPr>
+            <p:ph type="sldImg"/>
+          </p:nvPr>
+        </p:nvSpPr>
+        <p:spPr/>
+      </p:sp>
+      <p:sp>
+        <p:nvSpPr>
+          <p:cNvPr id="3" name="Notes Placeholder 2"/>
+          <p:cNvSpPr>
+            <a:spLocks noGrp="1"/>
+          </p:cNvSpPr>
+          <p:nvPr>
+            <p:ph type="body" idx="1"/>
+          </p:nvPr>
+        </p:nvSpPr>
+        <p:spPr/>
+        <p:txBody>
+          <a:bodyPr/>
+          <a:lstStyle/>
+          <a:p>
+            <a:r>
+              <a:rPr lang="en-US" dirty="0"/>
               <a:t>[1] https://</a:t>
             </a:r>
             <a:r>
@@ -847,7 +978,7 @@
           <a:p>
             <a:fld id="{D588435C-1886-E440-B249-F718F0F57539}" type="slidenum">
               <a:rPr lang="en-US" smtClean="0"/>
-              <a:t>16</a:t>
+              <a:t>17</a:t>
             </a:fld>
             <a:endParaRPr lang="en-US"/>
           </a:p>
@@ -5648,7 +5779,7 @@
           <p:cNvPr id="2" name="Title 1">
             <a:extLst>
               <a:ext uri="{FF2B5EF4-FFF2-40B4-BE49-F238E27FC236}">
-                <a16:creationId xmlns:a16="http://schemas.microsoft.com/office/drawing/2014/main" id="{064DFAA6-124C-E545-8252-3C1293786AD6}"/>
+                <a16:creationId xmlns:a16="http://schemas.microsoft.com/office/drawing/2014/main" id="{1144A6EF-0D7A-E241-8E33-EAA431C0BA7D}"/>
               </a:ext>
             </a:extLst>
           </p:cNvPr>
@@ -5666,7 +5797,7 @@
           <a:p>
             <a:r>
               <a:rPr lang="en-US" dirty="0"/>
-              <a:t>Differences from familiar languages</a:t>
+              <a:t>Awesome stuff about Go</a:t>
             </a:r>
           </a:p>
         </p:txBody>
@@ -5676,7 +5807,7 @@
           <p:cNvPr id="3" name="Content Placeholder 2">
             <a:extLst>
               <a:ext uri="{FF2B5EF4-FFF2-40B4-BE49-F238E27FC236}">
-                <a16:creationId xmlns:a16="http://schemas.microsoft.com/office/drawing/2014/main" id="{ECC0F946-35DF-6D48-8E80-9026FD774BAE}"/>
+                <a16:creationId xmlns:a16="http://schemas.microsoft.com/office/drawing/2014/main" id="{EE8D7178-DFD5-C247-9679-BD671D1E27EC}"/>
               </a:ext>
             </a:extLst>
           </p:cNvPr>
@@ -5689,77 +5820,42 @@
         </p:nvSpPr>
         <p:spPr/>
         <p:txBody>
-          <a:bodyPr>
-            <a:normAutofit fontScale="85000" lnSpcReduction="20000"/>
-          </a:bodyPr>
-          <a:lstStyle/>
-          <a:p>
-            <a:r>
-              <a:rPr lang="en-US" dirty="0"/>
-              <a:t>There is no ‘class’ type; Go is not technically an object-oriented language</a:t>
-            </a:r>
-          </a:p>
-          <a:p>
-            <a:pPr lvl="1"/>
-            <a:r>
-              <a:rPr lang="en-US" dirty="0"/>
-              <a:t>There is no inheritance/</a:t>
-            </a:r>
-            <a:r>
-              <a:rPr lang="en-US" dirty="0" err="1"/>
-              <a:t>subclassing</a:t>
-            </a:r>
-            <a:r>
-              <a:rPr lang="en-US" dirty="0"/>
-              <a:t> (however, a concept called ‘embedding’ helps bridge this gap somewhat)</a:t>
-            </a:r>
-          </a:p>
-          <a:p>
-            <a:r>
-              <a:rPr lang="en-US" dirty="0"/>
-              <a:t>Types </a:t>
-            </a:r>
-            <a:r>
-              <a:rPr lang="en-US" i="1" dirty="0"/>
-              <a:t>implicitly</a:t>
-            </a:r>
-            <a:r>
-              <a:rPr lang="en-US" dirty="0"/>
-              <a:t> implement interfaces</a:t>
-            </a:r>
-          </a:p>
-          <a:p>
-            <a:pPr lvl="1"/>
-            <a:r>
-              <a:rPr lang="en-US" dirty="0"/>
-              <a:t>No declaration of “I implement this interface” – if the object has the method signatures required by the interface, it implements that interface</a:t>
-            </a:r>
-          </a:p>
-          <a:p>
-            <a:r>
-              <a:rPr lang="en-US" dirty="0"/>
-              <a:t>Very little syntactic sugar</a:t>
-            </a:r>
-          </a:p>
-          <a:p>
-            <a:pPr lvl="1"/>
-            <a:r>
-              <a:rPr lang="en-US" dirty="0"/>
-              <a:t>In general, Go adheres to the principle that there should be one reasonable pattern for doing any common operation. This means no fancy “.</a:t>
-            </a:r>
-            <a:r>
-              <a:rPr lang="en-US" dirty="0" err="1"/>
-              <a:t>forEach</a:t>
-            </a:r>
-            <a:r>
-              <a:rPr lang="en-US" dirty="0"/>
-              <a:t>”, ternary operators, etc.</a:t>
-            </a:r>
-          </a:p>
-          <a:p>
-            <a:r>
-              <a:rPr lang="en-US" dirty="0"/>
-              <a:t>All loops are “for” loops [</a:t>
+          <a:bodyPr/>
+          <a:lstStyle/>
+          <a:p>
+            <a:r>
+              <a:rPr lang="en-US" dirty="0"/>
+              <a:t>Easy to read and write – very little magic</a:t>
+            </a:r>
+          </a:p>
+          <a:p>
+            <a:r>
+              <a:rPr lang="en-US" dirty="0"/>
+              <a:t>Fast compile times</a:t>
+            </a:r>
+          </a:p>
+          <a:p>
+            <a:r>
+              <a:rPr lang="en-US" dirty="0"/>
+              <a:t>Concurrency, for real (no more GIL!)</a:t>
+            </a:r>
+          </a:p>
+          <a:p>
+            <a:r>
+              <a:rPr lang="en-US" dirty="0"/>
+              <a:t>Huge, (fairly) stable standard library</a:t>
+            </a:r>
+          </a:p>
+          <a:p>
+            <a:r>
+              <a:rPr lang="en-US" dirty="0"/>
+              <a:t>Compile binaries for any platform, on any platform</a:t>
+            </a:r>
+          </a:p>
+          <a:p>
+            <a:r>
+              <a:rPr lang="en-US" dirty="0"/>
+              <a:t>Performance, at least relative to interpreted alternatives [</a:t>
             </a:r>
             <a:r>
               <a:rPr lang="en-US" dirty="0">
@@ -5769,20 +5865,7 @@
             </a:r>
             <a:r>
               <a:rPr lang="en-US" dirty="0"/>
-              <a:t>]</a:t>
-            </a:r>
-          </a:p>
-          <a:p>
-            <a:pPr lvl="1"/>
-            <a:r>
-              <a:rPr lang="en-US" dirty="0"/>
-              <a:t>All the functionality you’d expect in “while” loops is actually implemented by “for” loops</a:t>
-            </a:r>
-          </a:p>
-          <a:p>
-            <a:r>
-              <a:rPr lang="en-US" dirty="0"/>
-              <a:t>No “generics” [</a:t>
+              <a:t>][</a:t>
             </a:r>
             <a:r>
               <a:rPr lang="en-US" dirty="0">
@@ -5792,45 +5875,30 @@
             </a:r>
             <a:r>
               <a:rPr lang="en-US" dirty="0"/>
-              <a:t>][</a:t>
-            </a:r>
+              <a:t>]</a:t>
+            </a:r>
+          </a:p>
+          <a:p>
+            <a:r>
+              <a:rPr lang="en-US" dirty="0"/>
+              <a:t>Static typing!</a:t>
+            </a:r>
+          </a:p>
+          <a:p>
             <a:r>
               <a:rPr lang="en-US" dirty="0">
-                <a:hlinkClick r:id="rId5"/>
-              </a:rPr>
-              <a:t>3</a:t>
-            </a:r>
-            <a:r>
-              <a:rPr lang="en-US" dirty="0"/>
-              <a:t>][</a:t>
-            </a:r>
-            <a:r>
-              <a:rPr lang="en-US" dirty="0">
-                <a:hlinkClick r:id="rId6"/>
-              </a:rPr>
-              <a:t>4</a:t>
-            </a:r>
-            <a:r>
-              <a:rPr lang="en-US" dirty="0"/>
-              <a:t>]</a:t>
-            </a:r>
-          </a:p>
-          <a:p>
-            <a:pPr lvl="1"/>
-            <a:r>
-              <a:rPr lang="en-US" dirty="0"/>
-              <a:t>One complaint about Go is its lack of generics. In practice, there are (imperfect) ways around this. See the notes for links about this debate</a:t>
-            </a:r>
-          </a:p>
-          <a:p>
-            <a:endParaRPr lang="en-US" dirty="0"/>
+                <a:latin typeface="Consolas" panose="020B0609020204030204" pitchFamily="49" charset="0"/>
+                <a:cs typeface="Consolas" panose="020B0609020204030204" pitchFamily="49" charset="0"/>
+              </a:rPr>
+              <a:t>net/http</a:t>
+            </a:r>
           </a:p>
         </p:txBody>
       </p:sp>
     </p:spTree>
     <p:extLst>
       <p:ext uri="{BB962C8B-B14F-4D97-AF65-F5344CB8AC3E}">
-        <p14:creationId xmlns:p14="http://schemas.microsoft.com/office/powerpoint/2010/main" val="470830223"/>
+        <p14:creationId xmlns:p14="http://schemas.microsoft.com/office/powerpoint/2010/main" val="984750387"/>
       </p:ext>
     </p:extLst>
   </p:cSld>
@@ -5862,6 +5930,230 @@
           <p:cNvPr id="2" name="Title 1">
             <a:extLst>
               <a:ext uri="{FF2B5EF4-FFF2-40B4-BE49-F238E27FC236}">
+                <a16:creationId xmlns:a16="http://schemas.microsoft.com/office/drawing/2014/main" id="{064DFAA6-124C-E545-8252-3C1293786AD6}"/>
+              </a:ext>
+            </a:extLst>
+          </p:cNvPr>
+          <p:cNvSpPr>
+            <a:spLocks noGrp="1"/>
+          </p:cNvSpPr>
+          <p:nvPr>
+            <p:ph type="title"/>
+          </p:nvPr>
+        </p:nvSpPr>
+        <p:spPr/>
+        <p:txBody>
+          <a:bodyPr/>
+          <a:lstStyle/>
+          <a:p>
+            <a:r>
+              <a:rPr lang="en-US" dirty="0"/>
+              <a:t>Differences from familiar languages*</a:t>
+            </a:r>
+          </a:p>
+        </p:txBody>
+      </p:sp>
+      <p:sp>
+        <p:nvSpPr>
+          <p:cNvPr id="3" name="Content Placeholder 2">
+            <a:extLst>
+              <a:ext uri="{FF2B5EF4-FFF2-40B4-BE49-F238E27FC236}">
+                <a16:creationId xmlns:a16="http://schemas.microsoft.com/office/drawing/2014/main" id="{ECC0F946-35DF-6D48-8E80-9026FD774BAE}"/>
+              </a:ext>
+            </a:extLst>
+          </p:cNvPr>
+          <p:cNvSpPr>
+            <a:spLocks noGrp="1"/>
+          </p:cNvSpPr>
+          <p:nvPr>
+            <p:ph idx="1"/>
+          </p:nvPr>
+        </p:nvSpPr>
+        <p:spPr/>
+        <p:txBody>
+          <a:bodyPr>
+            <a:normAutofit fontScale="77500" lnSpcReduction="20000"/>
+          </a:bodyPr>
+          <a:lstStyle/>
+          <a:p>
+            <a:r>
+              <a:rPr lang="en-US" dirty="0"/>
+              <a:t>There is no ‘class’ type; Go is not technically an object-oriented language</a:t>
+            </a:r>
+          </a:p>
+          <a:p>
+            <a:pPr lvl="1"/>
+            <a:r>
+              <a:rPr lang="en-US" dirty="0"/>
+              <a:t>There is no inheritance/</a:t>
+            </a:r>
+            <a:r>
+              <a:rPr lang="en-US" dirty="0" err="1"/>
+              <a:t>subclassing</a:t>
+            </a:r>
+            <a:r>
+              <a:rPr lang="en-US" dirty="0"/>
+              <a:t> (however, a concept called ‘embedding’ helps bridge this gap somewhat)</a:t>
+            </a:r>
+          </a:p>
+          <a:p>
+            <a:r>
+              <a:rPr lang="en-US" dirty="0"/>
+              <a:t>Types </a:t>
+            </a:r>
+            <a:r>
+              <a:rPr lang="en-US" i="1" dirty="0"/>
+              <a:t>implicitly</a:t>
+            </a:r>
+            <a:r>
+              <a:rPr lang="en-US" dirty="0"/>
+              <a:t> implement interfaces</a:t>
+            </a:r>
+          </a:p>
+          <a:p>
+            <a:pPr lvl="1"/>
+            <a:r>
+              <a:rPr lang="en-US" dirty="0"/>
+              <a:t>No declaration of “I implement this interface” – if the object has the method signatures required by the interface, it implements that interface</a:t>
+            </a:r>
+          </a:p>
+          <a:p>
+            <a:r>
+              <a:rPr lang="en-US" dirty="0"/>
+              <a:t>Very little syntactic sugar</a:t>
+            </a:r>
+          </a:p>
+          <a:p>
+            <a:pPr lvl="1"/>
+            <a:r>
+              <a:rPr lang="en-US" dirty="0"/>
+              <a:t>In general, Go adheres to the principle that there should be one reasonable pattern for doing any common operation. This means no fancy “.</a:t>
+            </a:r>
+            <a:r>
+              <a:rPr lang="en-US" dirty="0" err="1"/>
+              <a:t>forEach</a:t>
+            </a:r>
+            <a:r>
+              <a:rPr lang="en-US" dirty="0"/>
+              <a:t>”, ternary operators, etc.</a:t>
+            </a:r>
+          </a:p>
+          <a:p>
+            <a:r>
+              <a:rPr lang="en-US" dirty="0"/>
+              <a:t>All loops are “for” loops [</a:t>
+            </a:r>
+            <a:r>
+              <a:rPr lang="en-US" dirty="0">
+                <a:hlinkClick r:id="rId3"/>
+              </a:rPr>
+              <a:t>1</a:t>
+            </a:r>
+            <a:r>
+              <a:rPr lang="en-US" dirty="0"/>
+              <a:t>]</a:t>
+            </a:r>
+          </a:p>
+          <a:p>
+            <a:pPr lvl="1"/>
+            <a:r>
+              <a:rPr lang="en-US" dirty="0"/>
+              <a:t>All the functionality you’d expect in “while” loops is actually implemented by “for” loops</a:t>
+            </a:r>
+          </a:p>
+          <a:p>
+            <a:r>
+              <a:rPr lang="en-US" dirty="0"/>
+              <a:t>No “generics” [</a:t>
+            </a:r>
+            <a:r>
+              <a:rPr lang="en-US" dirty="0">
+                <a:hlinkClick r:id="rId4"/>
+              </a:rPr>
+              <a:t>2</a:t>
+            </a:r>
+            <a:r>
+              <a:rPr lang="en-US" dirty="0"/>
+              <a:t>][</a:t>
+            </a:r>
+            <a:r>
+              <a:rPr lang="en-US" dirty="0">
+                <a:hlinkClick r:id="rId5"/>
+              </a:rPr>
+              <a:t>3</a:t>
+            </a:r>
+            <a:r>
+              <a:rPr lang="en-US" dirty="0"/>
+              <a:t>][</a:t>
+            </a:r>
+            <a:r>
+              <a:rPr lang="en-US" dirty="0">
+                <a:hlinkClick r:id="rId6"/>
+              </a:rPr>
+              <a:t>4</a:t>
+            </a:r>
+            <a:r>
+              <a:rPr lang="en-US" dirty="0"/>
+              <a:t>]</a:t>
+            </a:r>
+          </a:p>
+          <a:p>
+            <a:pPr lvl="1"/>
+            <a:r>
+              <a:rPr lang="en-US" dirty="0"/>
+              <a:t>One complaint about Go is its lack of generics. In practice, there are (imperfect) ways around this. See the notes for links about this debate</a:t>
+            </a:r>
+          </a:p>
+          <a:p>
+            <a:pPr marL="0" indent="0">
+              <a:buNone/>
+            </a:pPr>
+            <a:r>
+              <a:rPr lang="en-US" sz="2000" dirty="0"/>
+              <a:t>* This is not an exhaustive list</a:t>
+            </a:r>
+            <a:endParaRPr lang="en-US" dirty="0"/>
+          </a:p>
+          <a:p>
+            <a:endParaRPr lang="en-US" dirty="0"/>
+          </a:p>
+        </p:txBody>
+      </p:sp>
+    </p:spTree>
+    <p:extLst>
+      <p:ext uri="{BB962C8B-B14F-4D97-AF65-F5344CB8AC3E}">
+        <p14:creationId xmlns:p14="http://schemas.microsoft.com/office/powerpoint/2010/main" val="470830223"/>
+      </p:ext>
+    </p:extLst>
+  </p:cSld>
+  <p:clrMapOvr>
+    <a:masterClrMapping/>
+  </p:clrMapOvr>
+</p:sld>
+</file>
+
+<file path=ppt/slides/slide14.xml><?xml version="1.0" encoding="utf-8"?>
+<p:sld xmlns:a="http://schemas.openxmlformats.org/drawingml/2006/main" xmlns:r="http://schemas.openxmlformats.org/officeDocument/2006/relationships" xmlns:p="http://schemas.openxmlformats.org/presentationml/2006/main">
+  <p:cSld>
+    <p:spTree>
+      <p:nvGrpSpPr>
+        <p:cNvPr id="1" name=""/>
+        <p:cNvGrpSpPr/>
+        <p:nvPr/>
+      </p:nvGrpSpPr>
+      <p:grpSpPr>
+        <a:xfrm>
+          <a:off x="0" y="0"/>
+          <a:ext cx="0" cy="0"/>
+          <a:chOff x="0" y="0"/>
+          <a:chExt cx="0" cy="0"/>
+        </a:xfrm>
+      </p:grpSpPr>
+      <p:sp>
+        <p:nvSpPr>
+          <p:cNvPr id="2" name="Title 1">
+            <a:extLst>
+              <a:ext uri="{FF2B5EF4-FFF2-40B4-BE49-F238E27FC236}">
                 <a16:creationId xmlns:a16="http://schemas.microsoft.com/office/drawing/2014/main" id="{A3B8F22E-B11C-4D42-928D-73E5898AC85C}"/>
               </a:ext>
             </a:extLst>
@@ -6155,7 +6447,7 @@
 </p:sld>
 </file>
 
-<file path=ppt/slides/slide14.xml><?xml version="1.0" encoding="utf-8"?>
+<file path=ppt/slides/slide15.xml><?xml version="1.0" encoding="utf-8"?>
 <p:sld xmlns:a="http://schemas.openxmlformats.org/drawingml/2006/main" xmlns:r="http://schemas.openxmlformats.org/officeDocument/2006/relationships" xmlns:p="http://schemas.openxmlformats.org/presentationml/2006/main">
   <p:cSld>
     <p:spTree>
@@ -6498,7 +6790,7 @@
 </p:sld>
 </file>
 
-<file path=ppt/slides/slide15.xml><?xml version="1.0" encoding="utf-8"?>
+<file path=ppt/slides/slide16.xml><?xml version="1.0" encoding="utf-8"?>
 <p:sld xmlns:a="http://schemas.openxmlformats.org/drawingml/2006/main" xmlns:r="http://schemas.openxmlformats.org/officeDocument/2006/relationships" xmlns:p="http://schemas.openxmlformats.org/presentationml/2006/main">
   <p:cSld>
     <p:spTree>
@@ -6717,192 +7009,6 @@
 </p:sld>
 </file>
 
-<file path=ppt/slides/slide16.xml><?xml version="1.0" encoding="utf-8"?>
-<p:sld xmlns:a="http://schemas.openxmlformats.org/drawingml/2006/main" xmlns:r="http://schemas.openxmlformats.org/officeDocument/2006/relationships" xmlns:p="http://schemas.openxmlformats.org/presentationml/2006/main">
-  <p:cSld>
-    <p:spTree>
-      <p:nvGrpSpPr>
-        <p:cNvPr id="1" name=""/>
-        <p:cNvGrpSpPr/>
-        <p:nvPr/>
-      </p:nvGrpSpPr>
-      <p:grpSpPr>
-        <a:xfrm>
-          <a:off x="0" y="0"/>
-          <a:ext cx="0" cy="0"/>
-          <a:chOff x="0" y="0"/>
-          <a:chExt cx="0" cy="0"/>
-        </a:xfrm>
-      </p:grpSpPr>
-      <p:sp>
-        <p:nvSpPr>
-          <p:cNvPr id="2" name="Title 1">
-            <a:extLst>
-              <a:ext uri="{FF2B5EF4-FFF2-40B4-BE49-F238E27FC236}">
-                <a16:creationId xmlns:a16="http://schemas.microsoft.com/office/drawing/2014/main" id="{31D50BAD-86AA-064B-A40C-EE34A3B840E6}"/>
-              </a:ext>
-            </a:extLst>
-          </p:cNvPr>
-          <p:cNvSpPr>
-            <a:spLocks noGrp="1"/>
-          </p:cNvSpPr>
-          <p:nvPr>
-            <p:ph type="title"/>
-          </p:nvPr>
-        </p:nvSpPr>
-        <p:spPr/>
-        <p:txBody>
-          <a:bodyPr/>
-          <a:lstStyle/>
-          <a:p>
-            <a:r>
-              <a:rPr lang="en-US" dirty="0"/>
-              <a:t>You’ll read this 10,000 times, minimum</a:t>
-            </a:r>
-          </a:p>
-        </p:txBody>
-      </p:sp>
-      <p:sp>
-        <p:nvSpPr>
-          <p:cNvPr id="3" name="Content Placeholder 2">
-            <a:extLst>
-              <a:ext uri="{FF2B5EF4-FFF2-40B4-BE49-F238E27FC236}">
-                <a16:creationId xmlns:a16="http://schemas.microsoft.com/office/drawing/2014/main" id="{66092570-1A2E-354B-B1E9-05D3E3224B8D}"/>
-              </a:ext>
-            </a:extLst>
-          </p:cNvPr>
-          <p:cNvSpPr>
-            <a:spLocks noGrp="1"/>
-          </p:cNvSpPr>
-          <p:nvPr>
-            <p:ph idx="1"/>
-          </p:nvPr>
-        </p:nvSpPr>
-        <p:spPr/>
-        <p:txBody>
-          <a:bodyPr>
-            <a:normAutofit fontScale="92500" lnSpcReduction="20000"/>
-          </a:bodyPr>
-          <a:lstStyle/>
-          <a:p>
-            <a:pPr marL="0" indent="0" algn="ctr">
-              <a:buNone/>
-            </a:pPr>
-            <a:r>
-              <a:rPr lang="en-US" sz="3600" dirty="0"/>
-              <a:t>“</a:t>
-            </a:r>
-            <a:r>
-              <a:rPr lang="en-US" sz="3600" i="1" dirty="0"/>
-              <a:t>Do not communicate by sharing memory; instead, share memory by communicating.” </a:t>
-            </a:r>
-            <a:r>
-              <a:rPr lang="en-US" sz="3600" dirty="0"/>
-              <a:t>[</a:t>
-            </a:r>
-            <a:r>
-              <a:rPr lang="en-US" sz="3600" dirty="0">
-                <a:hlinkClick r:id="rId3"/>
-              </a:rPr>
-              <a:t>1</a:t>
-            </a:r>
-            <a:r>
-              <a:rPr lang="en-US" sz="3600" dirty="0"/>
-              <a:t>]</a:t>
-            </a:r>
-          </a:p>
-          <a:p>
-            <a:pPr marL="0" indent="0">
-              <a:buNone/>
-            </a:pPr>
-            <a:endParaRPr lang="en-US" i="1" dirty="0"/>
-          </a:p>
-          <a:p>
-            <a:r>
-              <a:rPr lang="en-US" dirty="0"/>
-              <a:t>What does that mean?</a:t>
-            </a:r>
-          </a:p>
-          <a:p>
-            <a:r>
-              <a:rPr lang="en-US" dirty="0"/>
-              <a:t>Something like, “use channels to ensure that only one </a:t>
-            </a:r>
-            <a:r>
-              <a:rPr lang="en-US" dirty="0" err="1"/>
-              <a:t>goroutine</a:t>
-            </a:r>
-            <a:r>
-              <a:rPr lang="en-US" dirty="0"/>
-              <a:t> has access to data at any given time; don’t point to the same shared memory and restrict access with locks/</a:t>
-            </a:r>
-            <a:r>
-              <a:rPr lang="en-US" dirty="0" err="1"/>
-              <a:t>mutexes</a:t>
-            </a:r>
-            <a:r>
-              <a:rPr lang="en-US" dirty="0"/>
-              <a:t>/</a:t>
-            </a:r>
-            <a:r>
-              <a:rPr lang="en-US" dirty="0" err="1"/>
-              <a:t>etc</a:t>
-            </a:r>
-            <a:r>
-              <a:rPr lang="en-US" dirty="0"/>
-              <a:t>”*</a:t>
-            </a:r>
-          </a:p>
-          <a:p>
-            <a:r>
-              <a:rPr lang="en-US" dirty="0"/>
-              <a:t>See [</a:t>
-            </a:r>
-            <a:r>
-              <a:rPr lang="en-US" dirty="0">
-                <a:hlinkClick r:id="rId3"/>
-              </a:rPr>
-              <a:t>1</a:t>
-            </a:r>
-            <a:r>
-              <a:rPr lang="en-US" dirty="0"/>
-              <a:t>] for more info</a:t>
-            </a:r>
-          </a:p>
-          <a:p>
-            <a:endParaRPr lang="en-US" dirty="0"/>
-          </a:p>
-          <a:p>
-            <a:endParaRPr lang="en-US" dirty="0"/>
-          </a:p>
-          <a:p>
-            <a:pPr marL="0" indent="0">
-              <a:buNone/>
-            </a:pPr>
-            <a:r>
-              <a:rPr lang="en-US" sz="1500" dirty="0"/>
-              <a:t>*I’m not an expert, don’t play one on TV</a:t>
-            </a:r>
-            <a:endParaRPr lang="en-US" sz="1100" dirty="0"/>
-          </a:p>
-          <a:p>
-            <a:endParaRPr lang="en-US" dirty="0"/>
-          </a:p>
-        </p:txBody>
-      </p:sp>
-    </p:spTree>
-    <p:extLst>
-      <p:ext uri="{BB962C8B-B14F-4D97-AF65-F5344CB8AC3E}">
-        <p14:creationId xmlns:p14="http://schemas.microsoft.com/office/powerpoint/2010/main" val="3502492799"/>
-      </p:ext>
-    </p:extLst>
-  </p:cSld>
-  <p:clrMapOvr>
-    <a:masterClrMapping/>
-  </p:clrMapOvr>
-</p:sld>
-</file>
-
 <file path=ppt/slides/slide17.xml><?xml version="1.0" encoding="utf-8"?>
 <p:sld xmlns:a="http://schemas.openxmlformats.org/drawingml/2006/main" xmlns:r="http://schemas.openxmlformats.org/officeDocument/2006/relationships" xmlns:p="http://schemas.openxmlformats.org/presentationml/2006/main">
   <p:cSld>
@@ -6925,6 +7031,192 @@
           <p:cNvPr id="2" name="Title 1">
             <a:extLst>
               <a:ext uri="{FF2B5EF4-FFF2-40B4-BE49-F238E27FC236}">
+                <a16:creationId xmlns:a16="http://schemas.microsoft.com/office/drawing/2014/main" id="{31D50BAD-86AA-064B-A40C-EE34A3B840E6}"/>
+              </a:ext>
+            </a:extLst>
+          </p:cNvPr>
+          <p:cNvSpPr>
+            <a:spLocks noGrp="1"/>
+          </p:cNvSpPr>
+          <p:nvPr>
+            <p:ph type="title"/>
+          </p:nvPr>
+        </p:nvSpPr>
+        <p:spPr/>
+        <p:txBody>
+          <a:bodyPr/>
+          <a:lstStyle/>
+          <a:p>
+            <a:r>
+              <a:rPr lang="en-US" dirty="0"/>
+              <a:t>You’ll read this 10,000 times, minimum</a:t>
+            </a:r>
+          </a:p>
+        </p:txBody>
+      </p:sp>
+      <p:sp>
+        <p:nvSpPr>
+          <p:cNvPr id="3" name="Content Placeholder 2">
+            <a:extLst>
+              <a:ext uri="{FF2B5EF4-FFF2-40B4-BE49-F238E27FC236}">
+                <a16:creationId xmlns:a16="http://schemas.microsoft.com/office/drawing/2014/main" id="{66092570-1A2E-354B-B1E9-05D3E3224B8D}"/>
+              </a:ext>
+            </a:extLst>
+          </p:cNvPr>
+          <p:cNvSpPr>
+            <a:spLocks noGrp="1"/>
+          </p:cNvSpPr>
+          <p:nvPr>
+            <p:ph idx="1"/>
+          </p:nvPr>
+        </p:nvSpPr>
+        <p:spPr/>
+        <p:txBody>
+          <a:bodyPr>
+            <a:normAutofit fontScale="92500" lnSpcReduction="20000"/>
+          </a:bodyPr>
+          <a:lstStyle/>
+          <a:p>
+            <a:pPr marL="0" indent="0" algn="ctr">
+              <a:buNone/>
+            </a:pPr>
+            <a:r>
+              <a:rPr lang="en-US" sz="3600" dirty="0"/>
+              <a:t>“</a:t>
+            </a:r>
+            <a:r>
+              <a:rPr lang="en-US" sz="3600" i="1" dirty="0"/>
+              <a:t>Do not communicate by sharing memory; instead, share memory by communicating.” </a:t>
+            </a:r>
+            <a:r>
+              <a:rPr lang="en-US" sz="3600" dirty="0"/>
+              <a:t>[</a:t>
+            </a:r>
+            <a:r>
+              <a:rPr lang="en-US" sz="3600" dirty="0">
+                <a:hlinkClick r:id="rId3"/>
+              </a:rPr>
+              <a:t>1</a:t>
+            </a:r>
+            <a:r>
+              <a:rPr lang="en-US" sz="3600" dirty="0"/>
+              <a:t>]</a:t>
+            </a:r>
+          </a:p>
+          <a:p>
+            <a:pPr marL="0" indent="0">
+              <a:buNone/>
+            </a:pPr>
+            <a:endParaRPr lang="en-US" i="1" dirty="0"/>
+          </a:p>
+          <a:p>
+            <a:r>
+              <a:rPr lang="en-US" dirty="0"/>
+              <a:t>What does that mean?</a:t>
+            </a:r>
+          </a:p>
+          <a:p>
+            <a:r>
+              <a:rPr lang="en-US" dirty="0"/>
+              <a:t>Something like, “use channels to ensure that only one </a:t>
+            </a:r>
+            <a:r>
+              <a:rPr lang="en-US" dirty="0" err="1"/>
+              <a:t>goroutine</a:t>
+            </a:r>
+            <a:r>
+              <a:rPr lang="en-US" dirty="0"/>
+              <a:t> has access to data at any given time; don’t point to the same shared memory and restrict access with locks/</a:t>
+            </a:r>
+            <a:r>
+              <a:rPr lang="en-US" dirty="0" err="1"/>
+              <a:t>mutexes</a:t>
+            </a:r>
+            <a:r>
+              <a:rPr lang="en-US" dirty="0"/>
+              <a:t>/</a:t>
+            </a:r>
+            <a:r>
+              <a:rPr lang="en-US" dirty="0" err="1"/>
+              <a:t>etc</a:t>
+            </a:r>
+            <a:r>
+              <a:rPr lang="en-US" dirty="0"/>
+              <a:t>”*</a:t>
+            </a:r>
+          </a:p>
+          <a:p>
+            <a:r>
+              <a:rPr lang="en-US" dirty="0"/>
+              <a:t>See [</a:t>
+            </a:r>
+            <a:r>
+              <a:rPr lang="en-US" dirty="0">
+                <a:hlinkClick r:id="rId3"/>
+              </a:rPr>
+              <a:t>1</a:t>
+            </a:r>
+            <a:r>
+              <a:rPr lang="en-US" dirty="0"/>
+              <a:t>] for more info</a:t>
+            </a:r>
+          </a:p>
+          <a:p>
+            <a:endParaRPr lang="en-US" dirty="0"/>
+          </a:p>
+          <a:p>
+            <a:endParaRPr lang="en-US" dirty="0"/>
+          </a:p>
+          <a:p>
+            <a:pPr marL="0" indent="0">
+              <a:buNone/>
+            </a:pPr>
+            <a:r>
+              <a:rPr lang="en-US" sz="1500" dirty="0"/>
+              <a:t>*I’m not an expert, don’t play one on TV</a:t>
+            </a:r>
+            <a:endParaRPr lang="en-US" sz="1100" dirty="0"/>
+          </a:p>
+          <a:p>
+            <a:endParaRPr lang="en-US" dirty="0"/>
+          </a:p>
+        </p:txBody>
+      </p:sp>
+    </p:spTree>
+    <p:extLst>
+      <p:ext uri="{BB962C8B-B14F-4D97-AF65-F5344CB8AC3E}">
+        <p14:creationId xmlns:p14="http://schemas.microsoft.com/office/powerpoint/2010/main" val="3502492799"/>
+      </p:ext>
+    </p:extLst>
+  </p:cSld>
+  <p:clrMapOvr>
+    <a:masterClrMapping/>
+  </p:clrMapOvr>
+</p:sld>
+</file>
+
+<file path=ppt/slides/slide18.xml><?xml version="1.0" encoding="utf-8"?>
+<p:sld xmlns:a="http://schemas.openxmlformats.org/drawingml/2006/main" xmlns:r="http://schemas.openxmlformats.org/officeDocument/2006/relationships" xmlns:p="http://schemas.openxmlformats.org/presentationml/2006/main">
+  <p:cSld>
+    <p:spTree>
+      <p:nvGrpSpPr>
+        <p:cNvPr id="1" name=""/>
+        <p:cNvGrpSpPr/>
+        <p:nvPr/>
+      </p:nvGrpSpPr>
+      <p:grpSpPr>
+        <a:xfrm>
+          <a:off x="0" y="0"/>
+          <a:ext cx="0" cy="0"/>
+          <a:chOff x="0" y="0"/>
+          <a:chExt cx="0" cy="0"/>
+        </a:xfrm>
+      </p:grpSpPr>
+      <p:sp>
+        <p:nvSpPr>
+          <p:cNvPr id="2" name="Title 1">
+            <a:extLst>
+              <a:ext uri="{FF2B5EF4-FFF2-40B4-BE49-F238E27FC236}">
                 <a16:creationId xmlns:a16="http://schemas.microsoft.com/office/drawing/2014/main" id="{0E88E0C6-7CC5-EF4B-93A0-DE2F337E7A14}"/>
               </a:ext>
             </a:extLst>
@@ -7092,7 +7384,7 @@
 </p:sld>
 </file>
 
-<file path=ppt/slides/slide18.xml><?xml version="1.0" encoding="utf-8"?>
+<file path=ppt/slides/slide19.xml><?xml version="1.0" encoding="utf-8"?>
 <p:sld xmlns:a="http://schemas.openxmlformats.org/drawingml/2006/main" xmlns:r="http://schemas.openxmlformats.org/officeDocument/2006/relationships" xmlns:p="http://schemas.openxmlformats.org/presentationml/2006/main">
   <p:cSld>
     <p:spTree>
